--- a/Wakefields_and_Impedances/figures/pillbox-cav.pptx
+++ b/Wakefields_and_Impedances/figures/pillbox-cav.pptx
@@ -288,7 +288,7 @@
           <a:p>
             <a:fld id="{CDC74F84-D1B4-43DA-8DD7-52123609173D}" type="datetimeFigureOut">
               <a:rPr lang="en-GB" smtClean="0"/>
-              <a:t>06/12/2012</a:t>
+              <a:t>05/03/2013</a:t>
             </a:fld>
             <a:endParaRPr lang="en-GB"/>
           </a:p>
@@ -458,7 +458,7 @@
           <a:p>
             <a:fld id="{CDC74F84-D1B4-43DA-8DD7-52123609173D}" type="datetimeFigureOut">
               <a:rPr lang="en-GB" smtClean="0"/>
-              <a:t>06/12/2012</a:t>
+              <a:t>05/03/2013</a:t>
             </a:fld>
             <a:endParaRPr lang="en-GB"/>
           </a:p>
@@ -638,7 +638,7 @@
           <a:p>
             <a:fld id="{CDC74F84-D1B4-43DA-8DD7-52123609173D}" type="datetimeFigureOut">
               <a:rPr lang="en-GB" smtClean="0"/>
-              <a:t>06/12/2012</a:t>
+              <a:t>05/03/2013</a:t>
             </a:fld>
             <a:endParaRPr lang="en-GB"/>
           </a:p>
@@ -808,7 +808,7 @@
           <a:p>
             <a:fld id="{CDC74F84-D1B4-43DA-8DD7-52123609173D}" type="datetimeFigureOut">
               <a:rPr lang="en-GB" smtClean="0"/>
-              <a:t>06/12/2012</a:t>
+              <a:t>05/03/2013</a:t>
             </a:fld>
             <a:endParaRPr lang="en-GB"/>
           </a:p>
@@ -1054,7 +1054,7 @@
           <a:p>
             <a:fld id="{CDC74F84-D1B4-43DA-8DD7-52123609173D}" type="datetimeFigureOut">
               <a:rPr lang="en-GB" smtClean="0"/>
-              <a:t>06/12/2012</a:t>
+              <a:t>05/03/2013</a:t>
             </a:fld>
             <a:endParaRPr lang="en-GB"/>
           </a:p>
@@ -1342,7 +1342,7 @@
           <a:p>
             <a:fld id="{CDC74F84-D1B4-43DA-8DD7-52123609173D}" type="datetimeFigureOut">
               <a:rPr lang="en-GB" smtClean="0"/>
-              <a:t>06/12/2012</a:t>
+              <a:t>05/03/2013</a:t>
             </a:fld>
             <a:endParaRPr lang="en-GB"/>
           </a:p>
@@ -1764,7 +1764,7 @@
           <a:p>
             <a:fld id="{CDC74F84-D1B4-43DA-8DD7-52123609173D}" type="datetimeFigureOut">
               <a:rPr lang="en-GB" smtClean="0"/>
-              <a:t>06/12/2012</a:t>
+              <a:t>05/03/2013</a:t>
             </a:fld>
             <a:endParaRPr lang="en-GB"/>
           </a:p>
@@ -1882,7 +1882,7 @@
           <a:p>
             <a:fld id="{CDC74F84-D1B4-43DA-8DD7-52123609173D}" type="datetimeFigureOut">
               <a:rPr lang="en-GB" smtClean="0"/>
-              <a:t>06/12/2012</a:t>
+              <a:t>05/03/2013</a:t>
             </a:fld>
             <a:endParaRPr lang="en-GB"/>
           </a:p>
@@ -1977,7 +1977,7 @@
           <a:p>
             <a:fld id="{CDC74F84-D1B4-43DA-8DD7-52123609173D}" type="datetimeFigureOut">
               <a:rPr lang="en-GB" smtClean="0"/>
-              <a:t>06/12/2012</a:t>
+              <a:t>05/03/2013</a:t>
             </a:fld>
             <a:endParaRPr lang="en-GB"/>
           </a:p>
@@ -2254,7 +2254,7 @@
           <a:p>
             <a:fld id="{CDC74F84-D1B4-43DA-8DD7-52123609173D}" type="datetimeFigureOut">
               <a:rPr lang="en-GB" smtClean="0"/>
-              <a:t>06/12/2012</a:t>
+              <a:t>05/03/2013</a:t>
             </a:fld>
             <a:endParaRPr lang="en-GB"/>
           </a:p>
@@ -2507,7 +2507,7 @@
           <a:p>
             <a:fld id="{CDC74F84-D1B4-43DA-8DD7-52123609173D}" type="datetimeFigureOut">
               <a:rPr lang="en-GB" smtClean="0"/>
-              <a:t>06/12/2012</a:t>
+              <a:t>05/03/2013</a:t>
             </a:fld>
             <a:endParaRPr lang="en-GB"/>
           </a:p>
@@ -2720,7 +2720,7 @@
           <a:p>
             <a:fld id="{CDC74F84-D1B4-43DA-8DD7-52123609173D}" type="datetimeFigureOut">
               <a:rPr lang="en-GB" smtClean="0"/>
-              <a:t>06/12/2012</a:t>
+              <a:t>05/03/2013</a:t>
             </a:fld>
             <a:endParaRPr lang="en-GB"/>
           </a:p>
@@ -3445,8 +3445,8 @@
           </a:fontRef>
         </p:style>
       </p:cxnSp>
-      <mc:AlternateContent xmlns:mc="http://schemas.openxmlformats.org/markup-compatibility/2006">
-        <mc:Choice xmlns:a14="http://schemas.microsoft.com/office/drawing/2010/main" Requires="a14">
+      <mc:AlternateContent xmlns:mc="http://schemas.openxmlformats.org/markup-compatibility/2006" xmlns:a14="http://schemas.microsoft.com/office/drawing/2010/main">
+        <mc:Choice Requires="a14">
           <p:sp>
             <p:nvSpPr>
               <p:cNvPr id="40" name="TextBox 39"/>
@@ -3469,6 +3469,7 @@
               </a:bodyPr>
               <a:lstStyle/>
               <a:p>
+                <a:pPr/>
                 <a14:m>
                   <m:oMathPara xmlns:m="http://schemas.openxmlformats.org/officeDocument/2006/math">
                     <m:oMathParaPr>
@@ -3489,7 +3490,7 @@
             </p:txBody>
           </p:sp>
         </mc:Choice>
-        <mc:Fallback>
+        <mc:Fallback xmlns="">
           <p:sp>
             <p:nvSpPr>
               <p:cNvPr id="40" name="TextBox 39"/>
@@ -3561,8 +3562,8 @@
           </a:fontRef>
         </p:style>
       </p:cxnSp>
-      <mc:AlternateContent xmlns:mc="http://schemas.openxmlformats.org/markup-compatibility/2006">
-        <mc:Choice xmlns:a14="http://schemas.microsoft.com/office/drawing/2010/main" Requires="a14">
+      <mc:AlternateContent xmlns:mc="http://schemas.openxmlformats.org/markup-compatibility/2006" xmlns:a14="http://schemas.microsoft.com/office/drawing/2010/main">
+        <mc:Choice Requires="a14">
           <p:sp>
             <p:nvSpPr>
               <p:cNvPr id="42" name="TextBox 41"/>
@@ -3585,6 +3586,7 @@
               </a:bodyPr>
               <a:lstStyle/>
               <a:p>
+                <a:pPr/>
                 <a14:m>
                   <m:oMathPara xmlns:m="http://schemas.openxmlformats.org/officeDocument/2006/math">
                     <m:oMathParaPr>
@@ -3624,7 +3626,7 @@
             </p:txBody>
           </p:sp>
         </mc:Choice>
-        <mc:Fallback>
+        <mc:Fallback xmlns="">
           <p:sp>
             <p:nvSpPr>
               <p:cNvPr id="42" name="TextBox 41"/>
@@ -3663,8 +3665,8 @@
           </p:sp>
         </mc:Fallback>
       </mc:AlternateContent>
-      <mc:AlternateContent xmlns:mc="http://schemas.openxmlformats.org/markup-compatibility/2006">
-        <mc:Choice xmlns:a14="http://schemas.microsoft.com/office/drawing/2010/main" Requires="a14">
+      <mc:AlternateContent xmlns:mc="http://schemas.openxmlformats.org/markup-compatibility/2006" xmlns:a14="http://schemas.microsoft.com/office/drawing/2010/main">
+        <mc:Choice Requires="a14">
           <p:sp>
             <p:nvSpPr>
               <p:cNvPr id="43" name="TextBox 42"/>
@@ -3687,6 +3689,7 @@
               </a:bodyPr>
               <a:lstStyle/>
               <a:p>
+                <a:pPr/>
                 <a14:m>
                   <m:oMathPara xmlns:m="http://schemas.openxmlformats.org/officeDocument/2006/math">
                     <m:oMathParaPr>
@@ -3726,7 +3729,7 @@
             </p:txBody>
           </p:sp>
         </mc:Choice>
-        <mc:Fallback>
+        <mc:Fallback xmlns="">
           <p:sp>
             <p:nvSpPr>
               <p:cNvPr id="43" name="TextBox 42"/>
@@ -3812,6 +3815,43 @@
           <a:xfrm flipV="1">
             <a:off x="4393688" y="1519813"/>
             <a:ext cx="0" cy="216024"/>
+          </a:xfrm>
+          <a:prstGeom prst="straightConnector1">
+            <a:avLst/>
+          </a:prstGeom>
+          <a:ln w="19050">
+            <a:solidFill>
+              <a:schemeClr val="tx1"/>
+            </a:solidFill>
+            <a:headEnd type="arrow"/>
+            <a:tailEnd type="arrow"/>
+          </a:ln>
+        </p:spPr>
+        <p:style>
+          <a:lnRef idx="1">
+            <a:schemeClr val="accent1"/>
+          </a:lnRef>
+          <a:fillRef idx="0">
+            <a:schemeClr val="accent1"/>
+          </a:fillRef>
+          <a:effectRef idx="0">
+            <a:schemeClr val="accent1"/>
+          </a:effectRef>
+          <a:fontRef idx="minor">
+            <a:schemeClr val="tx1"/>
+          </a:fontRef>
+        </p:style>
+      </p:cxnSp>
+      <p:cxnSp>
+        <p:nvCxnSpPr>
+          <p:cNvPr id="18" name="Straight Arrow Connector 17"/>
+          <p:cNvCxnSpPr/>
+          <p:nvPr/>
+        </p:nvCxnSpPr>
+        <p:spPr>
+          <a:xfrm>
+            <a:off x="2305780" y="2664321"/>
+            <a:ext cx="1007788" cy="0"/>
           </a:xfrm>
           <a:prstGeom prst="straightConnector1">
             <a:avLst/>
